--- a/树莓派与内网穿透.pptx
+++ b/树莓派与内网穿透.pptx
@@ -142,7 +142,7 @@
   <p:extLst>
     <p:ext uri="{EFAFB233-063F-42B5-8137-9DF3F51BA10A}">
       <p15:sldGuideLst xmlns:p15="http://schemas.microsoft.com/office/powerpoint/2012/main">
-        <p15:guide id="1" orient="horz" pos="2128" userDrawn="1">
+        <p15:guide id="1" orient="horz" pos="2160" userDrawn="1">
           <p15:clr>
             <a:srgbClr val="A4A3A4"/>
           </p15:clr>
@@ -10162,9 +10162,9 @@
         <p:grpSpPr bwMode="auto">
           <a:xfrm>
             <a:off x="3935413" y="2571967"/>
-            <a:ext cx="2303462" cy="270331"/>
+            <a:ext cx="2305367" cy="270331"/>
             <a:chOff x="2412454" y="1931351"/>
-            <a:chExt cx="2303462" cy="271195"/>
+            <a:chExt cx="2305367" cy="271195"/>
           </a:xfrm>
         </p:grpSpPr>
         <p:sp>
@@ -10337,7 +10337,7 @@
           </p:nvSpPr>
           <p:spPr bwMode="auto">
             <a:xfrm>
-              <a:off x="3563391" y="1937912"/>
+              <a:off x="3565296" y="1937912"/>
               <a:ext cx="1152525" cy="264634"/>
             </a:xfrm>
             <a:prstGeom prst="rect">
